--- a/ppt 16-9/0539.你接我否.pptx
+++ b/ppt 16-9/0539.你接我否.pptx
@@ -129,7 +129,7 @@
           <p:cNvPr id="2" name="标题 1">
             <a:extLst>
               <a:ext uri="{FF2B5EF4-FFF2-40B4-BE49-F238E27FC236}">
-                <a16:creationId xmlns:a16="http://schemas.microsoft.com/office/drawing/2014/main" id="{E86380DE-4EE6-9ED7-58F9-49C18D5ABFC5}"/>
+                <a16:creationId xmlns:a16="http://schemas.microsoft.com/office/drawing/2014/main" id="{1E3ABA22-9F44-24BD-C9EA-DAEF8CA9F2F8}"/>
               </a:ext>
             </a:extLst>
           </p:cNvPr>
@@ -166,7 +166,7 @@
           <p:cNvPr id="3" name="副标题 2">
             <a:extLst>
               <a:ext uri="{FF2B5EF4-FFF2-40B4-BE49-F238E27FC236}">
-                <a16:creationId xmlns:a16="http://schemas.microsoft.com/office/drawing/2014/main" id="{30E46298-7DBF-15C2-9B77-DAD37902A433}"/>
+                <a16:creationId xmlns:a16="http://schemas.microsoft.com/office/drawing/2014/main" id="{CA741C91-7B91-6CCF-F6B7-E27E1C4E615E}"/>
               </a:ext>
             </a:extLst>
           </p:cNvPr>
@@ -236,7 +236,7 @@
           <p:cNvPr id="4" name="日期占位符 3">
             <a:extLst>
               <a:ext uri="{FF2B5EF4-FFF2-40B4-BE49-F238E27FC236}">
-                <a16:creationId xmlns:a16="http://schemas.microsoft.com/office/drawing/2014/main" id="{28ED8A81-FE6F-2AD9-874D-33C577435AD1}"/>
+                <a16:creationId xmlns:a16="http://schemas.microsoft.com/office/drawing/2014/main" id="{1E0C0022-5496-8778-FDD9-5E2B2E07007A}"/>
               </a:ext>
             </a:extLst>
           </p:cNvPr>
@@ -252,7 +252,7 @@
           <a:bodyPr/>
           <a:lstStyle/>
           <a:p>
-            <a:fld id="{54060449-6F0D-4470-856B-0B43860AD6CE}" type="datetimeFigureOut">
+            <a:fld id="{D00D4E2C-0F93-436E-8450-05C5464F4730}" type="datetimeFigureOut">
               <a:rPr lang="zh-CN" altLang="en-US" smtClean="0"/>
               <a:t>2024/3/10</a:t>
             </a:fld>
@@ -265,7 +265,7 @@
           <p:cNvPr id="5" name="页脚占位符 4">
             <a:extLst>
               <a:ext uri="{FF2B5EF4-FFF2-40B4-BE49-F238E27FC236}">
-                <a16:creationId xmlns:a16="http://schemas.microsoft.com/office/drawing/2014/main" id="{4CDDD673-12A6-9435-7A16-238297FD283C}"/>
+                <a16:creationId xmlns:a16="http://schemas.microsoft.com/office/drawing/2014/main" id="{4A682D21-F093-F398-BFDD-2C91E0562F4B}"/>
               </a:ext>
             </a:extLst>
           </p:cNvPr>
@@ -290,7 +290,7 @@
           <p:cNvPr id="6" name="灯片编号占位符 5">
             <a:extLst>
               <a:ext uri="{FF2B5EF4-FFF2-40B4-BE49-F238E27FC236}">
-                <a16:creationId xmlns:a16="http://schemas.microsoft.com/office/drawing/2014/main" id="{199D6266-EAC2-6FA4-C3B9-1E1D65D9FA9A}"/>
+                <a16:creationId xmlns:a16="http://schemas.microsoft.com/office/drawing/2014/main" id="{48F1343E-FD9B-8CE1-051A-7FEAC434CD54}"/>
               </a:ext>
             </a:extLst>
           </p:cNvPr>
@@ -306,7 +306,7 @@
           <a:bodyPr/>
           <a:lstStyle/>
           <a:p>
-            <a:fld id="{F500DC22-90DE-4D6F-88A2-5733A8AB72D3}" type="slidenum">
+            <a:fld id="{B34FE663-981F-4ED9-A971-E6F70C2F0560}" type="slidenum">
               <a:rPr lang="zh-CN" altLang="en-US" smtClean="0"/>
               <a:t>‹#›</a:t>
             </a:fld>
@@ -317,7 +317,7 @@
     </p:spTree>
     <p:extLst>
       <p:ext uri="{BB962C8B-B14F-4D97-AF65-F5344CB8AC3E}">
-        <p14:creationId xmlns:p14="http://schemas.microsoft.com/office/powerpoint/2010/main" val="4168103223"/>
+        <p14:creationId xmlns:p14="http://schemas.microsoft.com/office/powerpoint/2010/main" val="683818977"/>
       </p:ext>
     </p:extLst>
   </p:cSld>
@@ -349,7 +349,7 @@
           <p:cNvPr id="2" name="标题 1">
             <a:extLst>
               <a:ext uri="{FF2B5EF4-FFF2-40B4-BE49-F238E27FC236}">
-                <a16:creationId xmlns:a16="http://schemas.microsoft.com/office/drawing/2014/main" id="{3D23A27F-BDF6-76AF-D4C0-5FC956B7198E}"/>
+                <a16:creationId xmlns:a16="http://schemas.microsoft.com/office/drawing/2014/main" id="{D51070F7-F8D9-87F1-8A4F-AC7E5ACCE17C}"/>
               </a:ext>
             </a:extLst>
           </p:cNvPr>
@@ -377,7 +377,7 @@
           <p:cNvPr id="3" name="竖排文字占位符 2">
             <a:extLst>
               <a:ext uri="{FF2B5EF4-FFF2-40B4-BE49-F238E27FC236}">
-                <a16:creationId xmlns:a16="http://schemas.microsoft.com/office/drawing/2014/main" id="{7E9591CC-6950-E11B-7512-0EDC316EC77E}"/>
+                <a16:creationId xmlns:a16="http://schemas.microsoft.com/office/drawing/2014/main" id="{362A4411-3DEE-CB28-5887-DC675FAED9A6}"/>
               </a:ext>
             </a:extLst>
           </p:cNvPr>
@@ -434,7 +434,7 @@
           <p:cNvPr id="4" name="日期占位符 3">
             <a:extLst>
               <a:ext uri="{FF2B5EF4-FFF2-40B4-BE49-F238E27FC236}">
-                <a16:creationId xmlns:a16="http://schemas.microsoft.com/office/drawing/2014/main" id="{2DC557FF-45B0-E6C1-9072-722434DE2E29}"/>
+                <a16:creationId xmlns:a16="http://schemas.microsoft.com/office/drawing/2014/main" id="{4762931E-A1C8-59D6-4E47-2A94222ACA06}"/>
               </a:ext>
             </a:extLst>
           </p:cNvPr>
@@ -450,7 +450,7 @@
           <a:bodyPr/>
           <a:lstStyle/>
           <a:p>
-            <a:fld id="{54060449-6F0D-4470-856B-0B43860AD6CE}" type="datetimeFigureOut">
+            <a:fld id="{D00D4E2C-0F93-436E-8450-05C5464F4730}" type="datetimeFigureOut">
               <a:rPr lang="zh-CN" altLang="en-US" smtClean="0"/>
               <a:t>2024/3/10</a:t>
             </a:fld>
@@ -463,7 +463,7 @@
           <p:cNvPr id="5" name="页脚占位符 4">
             <a:extLst>
               <a:ext uri="{FF2B5EF4-FFF2-40B4-BE49-F238E27FC236}">
-                <a16:creationId xmlns:a16="http://schemas.microsoft.com/office/drawing/2014/main" id="{8FA7DAB5-21D2-9D53-FAAC-30A05BC66693}"/>
+                <a16:creationId xmlns:a16="http://schemas.microsoft.com/office/drawing/2014/main" id="{D9E1FB3D-F304-21B4-6C85-591A5C23C32D}"/>
               </a:ext>
             </a:extLst>
           </p:cNvPr>
@@ -488,7 +488,7 @@
           <p:cNvPr id="6" name="灯片编号占位符 5">
             <a:extLst>
               <a:ext uri="{FF2B5EF4-FFF2-40B4-BE49-F238E27FC236}">
-                <a16:creationId xmlns:a16="http://schemas.microsoft.com/office/drawing/2014/main" id="{A7033D96-A603-9206-825C-5A149E5DCBAC}"/>
+                <a16:creationId xmlns:a16="http://schemas.microsoft.com/office/drawing/2014/main" id="{5202EDDD-1F19-AA19-978C-CD2E84A48A21}"/>
               </a:ext>
             </a:extLst>
           </p:cNvPr>
@@ -504,7 +504,7 @@
           <a:bodyPr/>
           <a:lstStyle/>
           <a:p>
-            <a:fld id="{F500DC22-90DE-4D6F-88A2-5733A8AB72D3}" type="slidenum">
+            <a:fld id="{B34FE663-981F-4ED9-A971-E6F70C2F0560}" type="slidenum">
               <a:rPr lang="zh-CN" altLang="en-US" smtClean="0"/>
               <a:t>‹#›</a:t>
             </a:fld>
@@ -515,7 +515,7 @@
     </p:spTree>
     <p:extLst>
       <p:ext uri="{BB962C8B-B14F-4D97-AF65-F5344CB8AC3E}">
-        <p14:creationId xmlns:p14="http://schemas.microsoft.com/office/powerpoint/2010/main" val="402012473"/>
+        <p14:creationId xmlns:p14="http://schemas.microsoft.com/office/powerpoint/2010/main" val="3024974960"/>
       </p:ext>
     </p:extLst>
   </p:cSld>
@@ -547,7 +547,7 @@
           <p:cNvPr id="2" name="竖排标题 1">
             <a:extLst>
               <a:ext uri="{FF2B5EF4-FFF2-40B4-BE49-F238E27FC236}">
-                <a16:creationId xmlns:a16="http://schemas.microsoft.com/office/drawing/2014/main" id="{544CC5B3-0F84-BC0E-6668-90F81EB160EB}"/>
+                <a16:creationId xmlns:a16="http://schemas.microsoft.com/office/drawing/2014/main" id="{02C4641B-6F87-6FE5-A63F-0AFBD83BA3D6}"/>
               </a:ext>
             </a:extLst>
           </p:cNvPr>
@@ -580,7 +580,7 @@
           <p:cNvPr id="3" name="竖排文字占位符 2">
             <a:extLst>
               <a:ext uri="{FF2B5EF4-FFF2-40B4-BE49-F238E27FC236}">
-                <a16:creationId xmlns:a16="http://schemas.microsoft.com/office/drawing/2014/main" id="{08C18B2B-446F-80B2-329C-CE17650EAA70}"/>
+                <a16:creationId xmlns:a16="http://schemas.microsoft.com/office/drawing/2014/main" id="{8DB371D3-D190-69CA-6BCD-3DCFAE85B1C8}"/>
               </a:ext>
             </a:extLst>
           </p:cNvPr>
@@ -642,7 +642,7 @@
           <p:cNvPr id="4" name="日期占位符 3">
             <a:extLst>
               <a:ext uri="{FF2B5EF4-FFF2-40B4-BE49-F238E27FC236}">
-                <a16:creationId xmlns:a16="http://schemas.microsoft.com/office/drawing/2014/main" id="{966A2F6F-BCBB-BFE6-B440-22694B7BEED8}"/>
+                <a16:creationId xmlns:a16="http://schemas.microsoft.com/office/drawing/2014/main" id="{FD563B76-9186-B97B-2CF2-4072AF8CB06A}"/>
               </a:ext>
             </a:extLst>
           </p:cNvPr>
@@ -658,7 +658,7 @@
           <a:bodyPr/>
           <a:lstStyle/>
           <a:p>
-            <a:fld id="{54060449-6F0D-4470-856B-0B43860AD6CE}" type="datetimeFigureOut">
+            <a:fld id="{D00D4E2C-0F93-436E-8450-05C5464F4730}" type="datetimeFigureOut">
               <a:rPr lang="zh-CN" altLang="en-US" smtClean="0"/>
               <a:t>2024/3/10</a:t>
             </a:fld>
@@ -671,7 +671,7 @@
           <p:cNvPr id="5" name="页脚占位符 4">
             <a:extLst>
               <a:ext uri="{FF2B5EF4-FFF2-40B4-BE49-F238E27FC236}">
-                <a16:creationId xmlns:a16="http://schemas.microsoft.com/office/drawing/2014/main" id="{F1BC35B2-C64C-3FDA-A588-304C103DAEE5}"/>
+                <a16:creationId xmlns:a16="http://schemas.microsoft.com/office/drawing/2014/main" id="{B1D16AD6-751F-BFD9-F7B1-486247B0C63C}"/>
               </a:ext>
             </a:extLst>
           </p:cNvPr>
@@ -696,7 +696,7 @@
           <p:cNvPr id="6" name="灯片编号占位符 5">
             <a:extLst>
               <a:ext uri="{FF2B5EF4-FFF2-40B4-BE49-F238E27FC236}">
-                <a16:creationId xmlns:a16="http://schemas.microsoft.com/office/drawing/2014/main" id="{80B03B48-D04D-1FF3-70EA-C909CB2C6AED}"/>
+                <a16:creationId xmlns:a16="http://schemas.microsoft.com/office/drawing/2014/main" id="{44EAEA51-8A8E-BD9C-C629-EE92053831F9}"/>
               </a:ext>
             </a:extLst>
           </p:cNvPr>
@@ -712,7 +712,7 @@
           <a:bodyPr/>
           <a:lstStyle/>
           <a:p>
-            <a:fld id="{F500DC22-90DE-4D6F-88A2-5733A8AB72D3}" type="slidenum">
+            <a:fld id="{B34FE663-981F-4ED9-A971-E6F70C2F0560}" type="slidenum">
               <a:rPr lang="zh-CN" altLang="en-US" smtClean="0"/>
               <a:t>‹#›</a:t>
             </a:fld>
@@ -723,7 +723,7 @@
     </p:spTree>
     <p:extLst>
       <p:ext uri="{BB962C8B-B14F-4D97-AF65-F5344CB8AC3E}">
-        <p14:creationId xmlns:p14="http://schemas.microsoft.com/office/powerpoint/2010/main" val="3554914135"/>
+        <p14:creationId xmlns:p14="http://schemas.microsoft.com/office/powerpoint/2010/main" val="3460712100"/>
       </p:ext>
     </p:extLst>
   </p:cSld>
@@ -755,7 +755,7 @@
           <p:cNvPr id="2" name="标题 1">
             <a:extLst>
               <a:ext uri="{FF2B5EF4-FFF2-40B4-BE49-F238E27FC236}">
-                <a16:creationId xmlns:a16="http://schemas.microsoft.com/office/drawing/2014/main" id="{3F2EC8BE-5533-7C1B-D2E0-B16AA116BC4F}"/>
+                <a16:creationId xmlns:a16="http://schemas.microsoft.com/office/drawing/2014/main" id="{70B9BC4D-69F7-9C5C-5B47-AE58E77215E7}"/>
               </a:ext>
             </a:extLst>
           </p:cNvPr>
@@ -783,7 +783,7 @@
           <p:cNvPr id="3" name="内容占位符 2">
             <a:extLst>
               <a:ext uri="{FF2B5EF4-FFF2-40B4-BE49-F238E27FC236}">
-                <a16:creationId xmlns:a16="http://schemas.microsoft.com/office/drawing/2014/main" id="{DE25F2EC-5719-FF9D-3D3C-EB266C0FB6E9}"/>
+                <a16:creationId xmlns:a16="http://schemas.microsoft.com/office/drawing/2014/main" id="{D88F2981-22EB-7FE0-7B68-44644B5B2277}"/>
               </a:ext>
             </a:extLst>
           </p:cNvPr>
@@ -840,7 +840,7 @@
           <p:cNvPr id="4" name="日期占位符 3">
             <a:extLst>
               <a:ext uri="{FF2B5EF4-FFF2-40B4-BE49-F238E27FC236}">
-                <a16:creationId xmlns:a16="http://schemas.microsoft.com/office/drawing/2014/main" id="{32BEB80A-8F2B-5933-905A-28893D7A208A}"/>
+                <a16:creationId xmlns:a16="http://schemas.microsoft.com/office/drawing/2014/main" id="{16F1AAFA-3B1D-79F0-FB20-3905D07440C0}"/>
               </a:ext>
             </a:extLst>
           </p:cNvPr>
@@ -856,7 +856,7 @@
           <a:bodyPr/>
           <a:lstStyle/>
           <a:p>
-            <a:fld id="{54060449-6F0D-4470-856B-0B43860AD6CE}" type="datetimeFigureOut">
+            <a:fld id="{D00D4E2C-0F93-436E-8450-05C5464F4730}" type="datetimeFigureOut">
               <a:rPr lang="zh-CN" altLang="en-US" smtClean="0"/>
               <a:t>2024/3/10</a:t>
             </a:fld>
@@ -869,7 +869,7 @@
           <p:cNvPr id="5" name="页脚占位符 4">
             <a:extLst>
               <a:ext uri="{FF2B5EF4-FFF2-40B4-BE49-F238E27FC236}">
-                <a16:creationId xmlns:a16="http://schemas.microsoft.com/office/drawing/2014/main" id="{E52791C8-E967-8717-A2BC-D281CBDCF9B1}"/>
+                <a16:creationId xmlns:a16="http://schemas.microsoft.com/office/drawing/2014/main" id="{82BF470C-2702-99F9-0597-B0DC5EC62054}"/>
               </a:ext>
             </a:extLst>
           </p:cNvPr>
@@ -894,7 +894,7 @@
           <p:cNvPr id="6" name="灯片编号占位符 5">
             <a:extLst>
               <a:ext uri="{FF2B5EF4-FFF2-40B4-BE49-F238E27FC236}">
-                <a16:creationId xmlns:a16="http://schemas.microsoft.com/office/drawing/2014/main" id="{0CFC0DAB-43DD-2875-FEEC-4896FFBF1C23}"/>
+                <a16:creationId xmlns:a16="http://schemas.microsoft.com/office/drawing/2014/main" id="{C85C14BD-5D87-4761-2FDA-D8DEDCD4B9EA}"/>
               </a:ext>
             </a:extLst>
           </p:cNvPr>
@@ -910,7 +910,7 @@
           <a:bodyPr/>
           <a:lstStyle/>
           <a:p>
-            <a:fld id="{F500DC22-90DE-4D6F-88A2-5733A8AB72D3}" type="slidenum">
+            <a:fld id="{B34FE663-981F-4ED9-A971-E6F70C2F0560}" type="slidenum">
               <a:rPr lang="zh-CN" altLang="en-US" smtClean="0"/>
               <a:t>‹#›</a:t>
             </a:fld>
@@ -921,7 +921,7 @@
     </p:spTree>
     <p:extLst>
       <p:ext uri="{BB962C8B-B14F-4D97-AF65-F5344CB8AC3E}">
-        <p14:creationId xmlns:p14="http://schemas.microsoft.com/office/powerpoint/2010/main" val="1366596473"/>
+        <p14:creationId xmlns:p14="http://schemas.microsoft.com/office/powerpoint/2010/main" val="1213355409"/>
       </p:ext>
     </p:extLst>
   </p:cSld>
@@ -953,7 +953,7 @@
           <p:cNvPr id="2" name="标题 1">
             <a:extLst>
               <a:ext uri="{FF2B5EF4-FFF2-40B4-BE49-F238E27FC236}">
-                <a16:creationId xmlns:a16="http://schemas.microsoft.com/office/drawing/2014/main" id="{4C9BF6BA-C442-0AAE-14D3-4DC07E030D85}"/>
+                <a16:creationId xmlns:a16="http://schemas.microsoft.com/office/drawing/2014/main" id="{3315F4F8-EF70-A989-B86D-17B41AA21C5A}"/>
               </a:ext>
             </a:extLst>
           </p:cNvPr>
@@ -990,7 +990,7 @@
           <p:cNvPr id="3" name="文本占位符 2">
             <a:extLst>
               <a:ext uri="{FF2B5EF4-FFF2-40B4-BE49-F238E27FC236}">
-                <a16:creationId xmlns:a16="http://schemas.microsoft.com/office/drawing/2014/main" id="{A7938E53-F8B0-46EE-05C8-53BC6E1571F6}"/>
+                <a16:creationId xmlns:a16="http://schemas.microsoft.com/office/drawing/2014/main" id="{5B676B27-75D1-1CD5-0296-8AE7967A72F8}"/>
               </a:ext>
             </a:extLst>
           </p:cNvPr>
@@ -1115,7 +1115,7 @@
           <p:cNvPr id="4" name="日期占位符 3">
             <a:extLst>
               <a:ext uri="{FF2B5EF4-FFF2-40B4-BE49-F238E27FC236}">
-                <a16:creationId xmlns:a16="http://schemas.microsoft.com/office/drawing/2014/main" id="{0B8C5A15-F45D-3052-4368-A630CB475BB3}"/>
+                <a16:creationId xmlns:a16="http://schemas.microsoft.com/office/drawing/2014/main" id="{E4182D99-C1EC-7026-7B1C-AFA5E73EC18F}"/>
               </a:ext>
             </a:extLst>
           </p:cNvPr>
@@ -1131,7 +1131,7 @@
           <a:bodyPr/>
           <a:lstStyle/>
           <a:p>
-            <a:fld id="{54060449-6F0D-4470-856B-0B43860AD6CE}" type="datetimeFigureOut">
+            <a:fld id="{D00D4E2C-0F93-436E-8450-05C5464F4730}" type="datetimeFigureOut">
               <a:rPr lang="zh-CN" altLang="en-US" smtClean="0"/>
               <a:t>2024/3/10</a:t>
             </a:fld>
@@ -1144,7 +1144,7 @@
           <p:cNvPr id="5" name="页脚占位符 4">
             <a:extLst>
               <a:ext uri="{FF2B5EF4-FFF2-40B4-BE49-F238E27FC236}">
-                <a16:creationId xmlns:a16="http://schemas.microsoft.com/office/drawing/2014/main" id="{45114A69-DADF-78E0-5871-9A1867B1DD31}"/>
+                <a16:creationId xmlns:a16="http://schemas.microsoft.com/office/drawing/2014/main" id="{3C33C61A-D1B7-E8DF-293C-F0DC96CD6F9E}"/>
               </a:ext>
             </a:extLst>
           </p:cNvPr>
@@ -1169,7 +1169,7 @@
           <p:cNvPr id="6" name="灯片编号占位符 5">
             <a:extLst>
               <a:ext uri="{FF2B5EF4-FFF2-40B4-BE49-F238E27FC236}">
-                <a16:creationId xmlns:a16="http://schemas.microsoft.com/office/drawing/2014/main" id="{8DE68793-C80B-5586-5824-EB0F705425CE}"/>
+                <a16:creationId xmlns:a16="http://schemas.microsoft.com/office/drawing/2014/main" id="{4A8FDFE4-BD5D-D8C8-B916-754BBCA70353}"/>
               </a:ext>
             </a:extLst>
           </p:cNvPr>
@@ -1185,7 +1185,7 @@
           <a:bodyPr/>
           <a:lstStyle/>
           <a:p>
-            <a:fld id="{F500DC22-90DE-4D6F-88A2-5733A8AB72D3}" type="slidenum">
+            <a:fld id="{B34FE663-981F-4ED9-A971-E6F70C2F0560}" type="slidenum">
               <a:rPr lang="zh-CN" altLang="en-US" smtClean="0"/>
               <a:t>‹#›</a:t>
             </a:fld>
@@ -1196,7 +1196,7 @@
     </p:spTree>
     <p:extLst>
       <p:ext uri="{BB962C8B-B14F-4D97-AF65-F5344CB8AC3E}">
-        <p14:creationId xmlns:p14="http://schemas.microsoft.com/office/powerpoint/2010/main" val="3065654062"/>
+        <p14:creationId xmlns:p14="http://schemas.microsoft.com/office/powerpoint/2010/main" val="2590147875"/>
       </p:ext>
     </p:extLst>
   </p:cSld>
@@ -1228,7 +1228,7 @@
           <p:cNvPr id="2" name="标题 1">
             <a:extLst>
               <a:ext uri="{FF2B5EF4-FFF2-40B4-BE49-F238E27FC236}">
-                <a16:creationId xmlns:a16="http://schemas.microsoft.com/office/drawing/2014/main" id="{5D6C671A-5B2A-2980-E7AE-B6215B7F8528}"/>
+                <a16:creationId xmlns:a16="http://schemas.microsoft.com/office/drawing/2014/main" id="{85D6A38E-71D6-2714-F7CD-21FAC8581747}"/>
               </a:ext>
             </a:extLst>
           </p:cNvPr>
@@ -1256,7 +1256,7 @@
           <p:cNvPr id="3" name="内容占位符 2">
             <a:extLst>
               <a:ext uri="{FF2B5EF4-FFF2-40B4-BE49-F238E27FC236}">
-                <a16:creationId xmlns:a16="http://schemas.microsoft.com/office/drawing/2014/main" id="{12D9312A-AC5E-18F2-F2A7-9CEDD21475F3}"/>
+                <a16:creationId xmlns:a16="http://schemas.microsoft.com/office/drawing/2014/main" id="{542E2260-BAB6-600A-B77B-90E4DF6AFF06}"/>
               </a:ext>
             </a:extLst>
           </p:cNvPr>
@@ -1318,7 +1318,7 @@
           <p:cNvPr id="4" name="内容占位符 3">
             <a:extLst>
               <a:ext uri="{FF2B5EF4-FFF2-40B4-BE49-F238E27FC236}">
-                <a16:creationId xmlns:a16="http://schemas.microsoft.com/office/drawing/2014/main" id="{29783E9F-4998-E62D-061E-DD139BACA743}"/>
+                <a16:creationId xmlns:a16="http://schemas.microsoft.com/office/drawing/2014/main" id="{9EA8E703-8435-A49E-E18B-F626617458DF}"/>
               </a:ext>
             </a:extLst>
           </p:cNvPr>
@@ -1380,7 +1380,7 @@
           <p:cNvPr id="5" name="日期占位符 4">
             <a:extLst>
               <a:ext uri="{FF2B5EF4-FFF2-40B4-BE49-F238E27FC236}">
-                <a16:creationId xmlns:a16="http://schemas.microsoft.com/office/drawing/2014/main" id="{1259DBCA-B2D9-55DA-E533-C45DBF14882F}"/>
+                <a16:creationId xmlns:a16="http://schemas.microsoft.com/office/drawing/2014/main" id="{41AE3B0D-9272-F4C8-8553-B5E81AC28658}"/>
               </a:ext>
             </a:extLst>
           </p:cNvPr>
@@ -1396,7 +1396,7 @@
           <a:bodyPr/>
           <a:lstStyle/>
           <a:p>
-            <a:fld id="{54060449-6F0D-4470-856B-0B43860AD6CE}" type="datetimeFigureOut">
+            <a:fld id="{D00D4E2C-0F93-436E-8450-05C5464F4730}" type="datetimeFigureOut">
               <a:rPr lang="zh-CN" altLang="en-US" smtClean="0"/>
               <a:t>2024/3/10</a:t>
             </a:fld>
@@ -1409,7 +1409,7 @@
           <p:cNvPr id="6" name="页脚占位符 5">
             <a:extLst>
               <a:ext uri="{FF2B5EF4-FFF2-40B4-BE49-F238E27FC236}">
-                <a16:creationId xmlns:a16="http://schemas.microsoft.com/office/drawing/2014/main" id="{FC6FED05-3473-C330-4825-F0DAA4F98CEC}"/>
+                <a16:creationId xmlns:a16="http://schemas.microsoft.com/office/drawing/2014/main" id="{C0BE7B6B-5D91-E784-B911-5CC6579A7569}"/>
               </a:ext>
             </a:extLst>
           </p:cNvPr>
@@ -1434,7 +1434,7 @@
           <p:cNvPr id="7" name="灯片编号占位符 6">
             <a:extLst>
               <a:ext uri="{FF2B5EF4-FFF2-40B4-BE49-F238E27FC236}">
-                <a16:creationId xmlns:a16="http://schemas.microsoft.com/office/drawing/2014/main" id="{1400D8D6-A983-9BE4-9976-BB128BBD87F4}"/>
+                <a16:creationId xmlns:a16="http://schemas.microsoft.com/office/drawing/2014/main" id="{E96A5DB3-61C6-5CE9-806A-8E5DB3D3A978}"/>
               </a:ext>
             </a:extLst>
           </p:cNvPr>
@@ -1450,7 +1450,7 @@
           <a:bodyPr/>
           <a:lstStyle/>
           <a:p>
-            <a:fld id="{F500DC22-90DE-4D6F-88A2-5733A8AB72D3}" type="slidenum">
+            <a:fld id="{B34FE663-981F-4ED9-A971-E6F70C2F0560}" type="slidenum">
               <a:rPr lang="zh-CN" altLang="en-US" smtClean="0"/>
               <a:t>‹#›</a:t>
             </a:fld>
@@ -1461,7 +1461,7 @@
     </p:spTree>
     <p:extLst>
       <p:ext uri="{BB962C8B-B14F-4D97-AF65-F5344CB8AC3E}">
-        <p14:creationId xmlns:p14="http://schemas.microsoft.com/office/powerpoint/2010/main" val="2377073244"/>
+        <p14:creationId xmlns:p14="http://schemas.microsoft.com/office/powerpoint/2010/main" val="2007382498"/>
       </p:ext>
     </p:extLst>
   </p:cSld>
@@ -1493,7 +1493,7 @@
           <p:cNvPr id="2" name="标题 1">
             <a:extLst>
               <a:ext uri="{FF2B5EF4-FFF2-40B4-BE49-F238E27FC236}">
-                <a16:creationId xmlns:a16="http://schemas.microsoft.com/office/drawing/2014/main" id="{65226C19-0172-9AF8-7EB0-CD4E776D56E3}"/>
+                <a16:creationId xmlns:a16="http://schemas.microsoft.com/office/drawing/2014/main" id="{FE819A48-865B-BCEA-9ABA-626F6F2C5960}"/>
               </a:ext>
             </a:extLst>
           </p:cNvPr>
@@ -1526,7 +1526,7 @@
           <p:cNvPr id="3" name="文本占位符 2">
             <a:extLst>
               <a:ext uri="{FF2B5EF4-FFF2-40B4-BE49-F238E27FC236}">
-                <a16:creationId xmlns:a16="http://schemas.microsoft.com/office/drawing/2014/main" id="{1ECB1983-18E4-2616-8ED8-8CB43BE8D420}"/>
+                <a16:creationId xmlns:a16="http://schemas.microsoft.com/office/drawing/2014/main" id="{CC300DC0-FC02-144E-608A-E1A43A89E8F8}"/>
               </a:ext>
             </a:extLst>
           </p:cNvPr>
@@ -1597,7 +1597,7 @@
           <p:cNvPr id="4" name="内容占位符 3">
             <a:extLst>
               <a:ext uri="{FF2B5EF4-FFF2-40B4-BE49-F238E27FC236}">
-                <a16:creationId xmlns:a16="http://schemas.microsoft.com/office/drawing/2014/main" id="{E8C2CC43-4EC6-3273-B5FE-4DE372BA41CD}"/>
+                <a16:creationId xmlns:a16="http://schemas.microsoft.com/office/drawing/2014/main" id="{E0A4CAFC-83DD-6BE1-91B8-48FAE45CBF12}"/>
               </a:ext>
             </a:extLst>
           </p:cNvPr>
@@ -1659,7 +1659,7 @@
           <p:cNvPr id="5" name="文本占位符 4">
             <a:extLst>
               <a:ext uri="{FF2B5EF4-FFF2-40B4-BE49-F238E27FC236}">
-                <a16:creationId xmlns:a16="http://schemas.microsoft.com/office/drawing/2014/main" id="{423E6D40-C755-D347-0C67-4F447BC42504}"/>
+                <a16:creationId xmlns:a16="http://schemas.microsoft.com/office/drawing/2014/main" id="{DFA86262-CC4A-D3B2-D968-C6F02A0E8A29}"/>
               </a:ext>
             </a:extLst>
           </p:cNvPr>
@@ -1730,7 +1730,7 @@
           <p:cNvPr id="6" name="内容占位符 5">
             <a:extLst>
               <a:ext uri="{FF2B5EF4-FFF2-40B4-BE49-F238E27FC236}">
-                <a16:creationId xmlns:a16="http://schemas.microsoft.com/office/drawing/2014/main" id="{A826B3DF-C10A-BB63-2B59-8FDAEB4E2B55}"/>
+                <a16:creationId xmlns:a16="http://schemas.microsoft.com/office/drawing/2014/main" id="{DA4F6779-716C-2324-CA0B-878FE99C46A1}"/>
               </a:ext>
             </a:extLst>
           </p:cNvPr>
@@ -1792,7 +1792,7 @@
           <p:cNvPr id="7" name="日期占位符 6">
             <a:extLst>
               <a:ext uri="{FF2B5EF4-FFF2-40B4-BE49-F238E27FC236}">
-                <a16:creationId xmlns:a16="http://schemas.microsoft.com/office/drawing/2014/main" id="{06601086-AA9E-0D43-E696-E9E4F46D0DED}"/>
+                <a16:creationId xmlns:a16="http://schemas.microsoft.com/office/drawing/2014/main" id="{125694EF-B460-B885-97F6-DAF2D10B85C3}"/>
               </a:ext>
             </a:extLst>
           </p:cNvPr>
@@ -1808,7 +1808,7 @@
           <a:bodyPr/>
           <a:lstStyle/>
           <a:p>
-            <a:fld id="{54060449-6F0D-4470-856B-0B43860AD6CE}" type="datetimeFigureOut">
+            <a:fld id="{D00D4E2C-0F93-436E-8450-05C5464F4730}" type="datetimeFigureOut">
               <a:rPr lang="zh-CN" altLang="en-US" smtClean="0"/>
               <a:t>2024/3/10</a:t>
             </a:fld>
@@ -1821,7 +1821,7 @@
           <p:cNvPr id="8" name="页脚占位符 7">
             <a:extLst>
               <a:ext uri="{FF2B5EF4-FFF2-40B4-BE49-F238E27FC236}">
-                <a16:creationId xmlns:a16="http://schemas.microsoft.com/office/drawing/2014/main" id="{7E31A4AF-3133-4FE9-80B3-407CA81A46CB}"/>
+                <a16:creationId xmlns:a16="http://schemas.microsoft.com/office/drawing/2014/main" id="{73BC97CC-B242-72C8-7207-64E1557CFD1B}"/>
               </a:ext>
             </a:extLst>
           </p:cNvPr>
@@ -1846,7 +1846,7 @@
           <p:cNvPr id="9" name="灯片编号占位符 8">
             <a:extLst>
               <a:ext uri="{FF2B5EF4-FFF2-40B4-BE49-F238E27FC236}">
-                <a16:creationId xmlns:a16="http://schemas.microsoft.com/office/drawing/2014/main" id="{C496693A-8957-9C3A-1FD0-36D7A457BAE9}"/>
+                <a16:creationId xmlns:a16="http://schemas.microsoft.com/office/drawing/2014/main" id="{FB5CDED2-4DC8-9C30-540F-CF973B661D45}"/>
               </a:ext>
             </a:extLst>
           </p:cNvPr>
@@ -1862,7 +1862,7 @@
           <a:bodyPr/>
           <a:lstStyle/>
           <a:p>
-            <a:fld id="{F500DC22-90DE-4D6F-88A2-5733A8AB72D3}" type="slidenum">
+            <a:fld id="{B34FE663-981F-4ED9-A971-E6F70C2F0560}" type="slidenum">
               <a:rPr lang="zh-CN" altLang="en-US" smtClean="0"/>
               <a:t>‹#›</a:t>
             </a:fld>
@@ -1873,7 +1873,7 @@
     </p:spTree>
     <p:extLst>
       <p:ext uri="{BB962C8B-B14F-4D97-AF65-F5344CB8AC3E}">
-        <p14:creationId xmlns:p14="http://schemas.microsoft.com/office/powerpoint/2010/main" val="3150788152"/>
+        <p14:creationId xmlns:p14="http://schemas.microsoft.com/office/powerpoint/2010/main" val="782320591"/>
       </p:ext>
     </p:extLst>
   </p:cSld>
@@ -1905,7 +1905,7 @@
           <p:cNvPr id="2" name="标题 1">
             <a:extLst>
               <a:ext uri="{FF2B5EF4-FFF2-40B4-BE49-F238E27FC236}">
-                <a16:creationId xmlns:a16="http://schemas.microsoft.com/office/drawing/2014/main" id="{A0F42408-BA04-1D93-C6AF-12538D479C97}"/>
+                <a16:creationId xmlns:a16="http://schemas.microsoft.com/office/drawing/2014/main" id="{A1715E91-BAAD-8C46-DF76-F0B3F060B171}"/>
               </a:ext>
             </a:extLst>
           </p:cNvPr>
@@ -1933,7 +1933,7 @@
           <p:cNvPr id="3" name="日期占位符 2">
             <a:extLst>
               <a:ext uri="{FF2B5EF4-FFF2-40B4-BE49-F238E27FC236}">
-                <a16:creationId xmlns:a16="http://schemas.microsoft.com/office/drawing/2014/main" id="{C50B2A73-65B1-DEEE-6FC1-BF0B98FA1335}"/>
+                <a16:creationId xmlns:a16="http://schemas.microsoft.com/office/drawing/2014/main" id="{B0ED591F-D021-92A2-C5A7-EFC9CAA73941}"/>
               </a:ext>
             </a:extLst>
           </p:cNvPr>
@@ -1949,7 +1949,7 @@
           <a:bodyPr/>
           <a:lstStyle/>
           <a:p>
-            <a:fld id="{54060449-6F0D-4470-856B-0B43860AD6CE}" type="datetimeFigureOut">
+            <a:fld id="{D00D4E2C-0F93-436E-8450-05C5464F4730}" type="datetimeFigureOut">
               <a:rPr lang="zh-CN" altLang="en-US" smtClean="0"/>
               <a:t>2024/3/10</a:t>
             </a:fld>
@@ -1962,7 +1962,7 @@
           <p:cNvPr id="4" name="页脚占位符 3">
             <a:extLst>
               <a:ext uri="{FF2B5EF4-FFF2-40B4-BE49-F238E27FC236}">
-                <a16:creationId xmlns:a16="http://schemas.microsoft.com/office/drawing/2014/main" id="{3FEF9F98-FC70-5946-3A8A-AC5C29E6D0FA}"/>
+                <a16:creationId xmlns:a16="http://schemas.microsoft.com/office/drawing/2014/main" id="{DEBF5FF3-3F9B-76CE-4747-2B074DAC4689}"/>
               </a:ext>
             </a:extLst>
           </p:cNvPr>
@@ -1987,7 +1987,7 @@
           <p:cNvPr id="5" name="灯片编号占位符 4">
             <a:extLst>
               <a:ext uri="{FF2B5EF4-FFF2-40B4-BE49-F238E27FC236}">
-                <a16:creationId xmlns:a16="http://schemas.microsoft.com/office/drawing/2014/main" id="{6E31A454-D2DE-DE42-5572-4A09A6DEEC2E}"/>
+                <a16:creationId xmlns:a16="http://schemas.microsoft.com/office/drawing/2014/main" id="{3C243FDE-C1FC-FB51-95B2-8ADC49BA93B5}"/>
               </a:ext>
             </a:extLst>
           </p:cNvPr>
@@ -2003,7 +2003,7 @@
           <a:bodyPr/>
           <a:lstStyle/>
           <a:p>
-            <a:fld id="{F500DC22-90DE-4D6F-88A2-5733A8AB72D3}" type="slidenum">
+            <a:fld id="{B34FE663-981F-4ED9-A971-E6F70C2F0560}" type="slidenum">
               <a:rPr lang="zh-CN" altLang="en-US" smtClean="0"/>
               <a:t>‹#›</a:t>
             </a:fld>
@@ -2014,7 +2014,7 @@
     </p:spTree>
     <p:extLst>
       <p:ext uri="{BB962C8B-B14F-4D97-AF65-F5344CB8AC3E}">
-        <p14:creationId xmlns:p14="http://schemas.microsoft.com/office/powerpoint/2010/main" val="1811533225"/>
+        <p14:creationId xmlns:p14="http://schemas.microsoft.com/office/powerpoint/2010/main" val="3327058356"/>
       </p:ext>
     </p:extLst>
   </p:cSld>
@@ -2046,7 +2046,7 @@
           <p:cNvPr id="2" name="日期占位符 1">
             <a:extLst>
               <a:ext uri="{FF2B5EF4-FFF2-40B4-BE49-F238E27FC236}">
-                <a16:creationId xmlns:a16="http://schemas.microsoft.com/office/drawing/2014/main" id="{8BBB55D6-0EC2-7DBD-53E4-4625F8CD9793}"/>
+                <a16:creationId xmlns:a16="http://schemas.microsoft.com/office/drawing/2014/main" id="{AE08978F-4A1C-36FB-E11E-8F965B43AF46}"/>
               </a:ext>
             </a:extLst>
           </p:cNvPr>
@@ -2062,7 +2062,7 @@
           <a:bodyPr/>
           <a:lstStyle/>
           <a:p>
-            <a:fld id="{54060449-6F0D-4470-856B-0B43860AD6CE}" type="datetimeFigureOut">
+            <a:fld id="{D00D4E2C-0F93-436E-8450-05C5464F4730}" type="datetimeFigureOut">
               <a:rPr lang="zh-CN" altLang="en-US" smtClean="0"/>
               <a:t>2024/3/10</a:t>
             </a:fld>
@@ -2075,7 +2075,7 @@
           <p:cNvPr id="3" name="页脚占位符 2">
             <a:extLst>
               <a:ext uri="{FF2B5EF4-FFF2-40B4-BE49-F238E27FC236}">
-                <a16:creationId xmlns:a16="http://schemas.microsoft.com/office/drawing/2014/main" id="{96B8D69C-CDD9-8BA4-2F48-1C5C259553A1}"/>
+                <a16:creationId xmlns:a16="http://schemas.microsoft.com/office/drawing/2014/main" id="{B00A1064-4C51-43BD-DC34-CFD7CEC125AD}"/>
               </a:ext>
             </a:extLst>
           </p:cNvPr>
@@ -2100,7 +2100,7 @@
           <p:cNvPr id="4" name="灯片编号占位符 3">
             <a:extLst>
               <a:ext uri="{FF2B5EF4-FFF2-40B4-BE49-F238E27FC236}">
-                <a16:creationId xmlns:a16="http://schemas.microsoft.com/office/drawing/2014/main" id="{A9C7272D-99B3-0F23-301C-575B0668B25F}"/>
+                <a16:creationId xmlns:a16="http://schemas.microsoft.com/office/drawing/2014/main" id="{51BA6C83-F1F9-1E43-F28F-28B0C9E3FB7C}"/>
               </a:ext>
             </a:extLst>
           </p:cNvPr>
@@ -2116,7 +2116,7 @@
           <a:bodyPr/>
           <a:lstStyle/>
           <a:p>
-            <a:fld id="{F500DC22-90DE-4D6F-88A2-5733A8AB72D3}" type="slidenum">
+            <a:fld id="{B34FE663-981F-4ED9-A971-E6F70C2F0560}" type="slidenum">
               <a:rPr lang="zh-CN" altLang="en-US" smtClean="0"/>
               <a:t>‹#›</a:t>
             </a:fld>
@@ -2127,7 +2127,7 @@
     </p:spTree>
     <p:extLst>
       <p:ext uri="{BB962C8B-B14F-4D97-AF65-F5344CB8AC3E}">
-        <p14:creationId xmlns:p14="http://schemas.microsoft.com/office/powerpoint/2010/main" val="3149771267"/>
+        <p14:creationId xmlns:p14="http://schemas.microsoft.com/office/powerpoint/2010/main" val="2638489423"/>
       </p:ext>
     </p:extLst>
   </p:cSld>
@@ -2159,7 +2159,7 @@
           <p:cNvPr id="2" name="标题 1">
             <a:extLst>
               <a:ext uri="{FF2B5EF4-FFF2-40B4-BE49-F238E27FC236}">
-                <a16:creationId xmlns:a16="http://schemas.microsoft.com/office/drawing/2014/main" id="{9D75A4FA-98C9-0B65-9E2D-CC17AB7DE017}"/>
+                <a16:creationId xmlns:a16="http://schemas.microsoft.com/office/drawing/2014/main" id="{6C91AF0B-BF3D-B9DE-71F8-AA32E2459335}"/>
               </a:ext>
             </a:extLst>
           </p:cNvPr>
@@ -2196,7 +2196,7 @@
           <p:cNvPr id="3" name="内容占位符 2">
             <a:extLst>
               <a:ext uri="{FF2B5EF4-FFF2-40B4-BE49-F238E27FC236}">
-                <a16:creationId xmlns:a16="http://schemas.microsoft.com/office/drawing/2014/main" id="{F1134797-42FE-95E7-9745-CE67DF48A05D}"/>
+                <a16:creationId xmlns:a16="http://schemas.microsoft.com/office/drawing/2014/main" id="{F380FBB6-7FB7-5DEA-E4B7-52A4F433EADB}"/>
               </a:ext>
             </a:extLst>
           </p:cNvPr>
@@ -2286,7 +2286,7 @@
           <p:cNvPr id="4" name="文本占位符 3">
             <a:extLst>
               <a:ext uri="{FF2B5EF4-FFF2-40B4-BE49-F238E27FC236}">
-                <a16:creationId xmlns:a16="http://schemas.microsoft.com/office/drawing/2014/main" id="{2492BDEE-C027-AFFA-E0AC-028F4061DFC7}"/>
+                <a16:creationId xmlns:a16="http://schemas.microsoft.com/office/drawing/2014/main" id="{99BE4766-A613-B5BF-40E9-C8419F43A6B0}"/>
               </a:ext>
             </a:extLst>
           </p:cNvPr>
@@ -2357,7 +2357,7 @@
           <p:cNvPr id="5" name="日期占位符 4">
             <a:extLst>
               <a:ext uri="{FF2B5EF4-FFF2-40B4-BE49-F238E27FC236}">
-                <a16:creationId xmlns:a16="http://schemas.microsoft.com/office/drawing/2014/main" id="{7EE4DBDD-57C5-A4C2-83A2-6FD93FCCF956}"/>
+                <a16:creationId xmlns:a16="http://schemas.microsoft.com/office/drawing/2014/main" id="{F6703065-6629-0E10-A2A8-3BB044ADFC6B}"/>
               </a:ext>
             </a:extLst>
           </p:cNvPr>
@@ -2373,7 +2373,7 @@
           <a:bodyPr/>
           <a:lstStyle/>
           <a:p>
-            <a:fld id="{54060449-6F0D-4470-856B-0B43860AD6CE}" type="datetimeFigureOut">
+            <a:fld id="{D00D4E2C-0F93-436E-8450-05C5464F4730}" type="datetimeFigureOut">
               <a:rPr lang="zh-CN" altLang="en-US" smtClean="0"/>
               <a:t>2024/3/10</a:t>
             </a:fld>
@@ -2386,7 +2386,7 @@
           <p:cNvPr id="6" name="页脚占位符 5">
             <a:extLst>
               <a:ext uri="{FF2B5EF4-FFF2-40B4-BE49-F238E27FC236}">
-                <a16:creationId xmlns:a16="http://schemas.microsoft.com/office/drawing/2014/main" id="{0D5382B7-F76D-3D26-1522-2C230693E2C2}"/>
+                <a16:creationId xmlns:a16="http://schemas.microsoft.com/office/drawing/2014/main" id="{A6403A9D-A8D7-0DD7-D7CD-5E9A683A929F}"/>
               </a:ext>
             </a:extLst>
           </p:cNvPr>
@@ -2411,7 +2411,7 @@
           <p:cNvPr id="7" name="灯片编号占位符 6">
             <a:extLst>
               <a:ext uri="{FF2B5EF4-FFF2-40B4-BE49-F238E27FC236}">
-                <a16:creationId xmlns:a16="http://schemas.microsoft.com/office/drawing/2014/main" id="{E34A399D-0DDF-F284-1C0A-68AA2320B4D8}"/>
+                <a16:creationId xmlns:a16="http://schemas.microsoft.com/office/drawing/2014/main" id="{F55AE1C9-0A88-C77A-648A-DC139F545CBC}"/>
               </a:ext>
             </a:extLst>
           </p:cNvPr>
@@ -2427,7 +2427,7 @@
           <a:bodyPr/>
           <a:lstStyle/>
           <a:p>
-            <a:fld id="{F500DC22-90DE-4D6F-88A2-5733A8AB72D3}" type="slidenum">
+            <a:fld id="{B34FE663-981F-4ED9-A971-E6F70C2F0560}" type="slidenum">
               <a:rPr lang="zh-CN" altLang="en-US" smtClean="0"/>
               <a:t>‹#›</a:t>
             </a:fld>
@@ -2438,7 +2438,7 @@
     </p:spTree>
     <p:extLst>
       <p:ext uri="{BB962C8B-B14F-4D97-AF65-F5344CB8AC3E}">
-        <p14:creationId xmlns:p14="http://schemas.microsoft.com/office/powerpoint/2010/main" val="3948580606"/>
+        <p14:creationId xmlns:p14="http://schemas.microsoft.com/office/powerpoint/2010/main" val="1445620015"/>
       </p:ext>
     </p:extLst>
   </p:cSld>
@@ -2470,7 +2470,7 @@
           <p:cNvPr id="2" name="标题 1">
             <a:extLst>
               <a:ext uri="{FF2B5EF4-FFF2-40B4-BE49-F238E27FC236}">
-                <a16:creationId xmlns:a16="http://schemas.microsoft.com/office/drawing/2014/main" id="{8A5A2FCD-E8FF-16DB-92C7-C3A0D538DDA1}"/>
+                <a16:creationId xmlns:a16="http://schemas.microsoft.com/office/drawing/2014/main" id="{84697832-468A-1563-D33F-61329F200F7D}"/>
               </a:ext>
             </a:extLst>
           </p:cNvPr>
@@ -2507,7 +2507,7 @@
           <p:cNvPr id="3" name="图片占位符 2">
             <a:extLst>
               <a:ext uri="{FF2B5EF4-FFF2-40B4-BE49-F238E27FC236}">
-                <a16:creationId xmlns:a16="http://schemas.microsoft.com/office/drawing/2014/main" id="{896E40C9-C0AC-F16B-02F9-335898E20E6F}"/>
+                <a16:creationId xmlns:a16="http://schemas.microsoft.com/office/drawing/2014/main" id="{E520C3D6-9319-8AAF-BF1D-AD4DA7ECFD92}"/>
               </a:ext>
             </a:extLst>
           </p:cNvPr>
@@ -2574,7 +2574,7 @@
           <p:cNvPr id="4" name="文本占位符 3">
             <a:extLst>
               <a:ext uri="{FF2B5EF4-FFF2-40B4-BE49-F238E27FC236}">
-                <a16:creationId xmlns:a16="http://schemas.microsoft.com/office/drawing/2014/main" id="{88A3D250-5A1B-BADE-774C-37E9FA4ED92D}"/>
+                <a16:creationId xmlns:a16="http://schemas.microsoft.com/office/drawing/2014/main" id="{55DA5D4F-61BD-ED29-208D-E305D48AD778}"/>
               </a:ext>
             </a:extLst>
           </p:cNvPr>
@@ -2645,7 +2645,7 @@
           <p:cNvPr id="5" name="日期占位符 4">
             <a:extLst>
               <a:ext uri="{FF2B5EF4-FFF2-40B4-BE49-F238E27FC236}">
-                <a16:creationId xmlns:a16="http://schemas.microsoft.com/office/drawing/2014/main" id="{6B3D2286-DFCC-5BE6-6CD4-489A0E78CB73}"/>
+                <a16:creationId xmlns:a16="http://schemas.microsoft.com/office/drawing/2014/main" id="{31A131D1-9C6C-2F65-1C28-A0F11826A217}"/>
               </a:ext>
             </a:extLst>
           </p:cNvPr>
@@ -2661,7 +2661,7 @@
           <a:bodyPr/>
           <a:lstStyle/>
           <a:p>
-            <a:fld id="{54060449-6F0D-4470-856B-0B43860AD6CE}" type="datetimeFigureOut">
+            <a:fld id="{D00D4E2C-0F93-436E-8450-05C5464F4730}" type="datetimeFigureOut">
               <a:rPr lang="zh-CN" altLang="en-US" smtClean="0"/>
               <a:t>2024/3/10</a:t>
             </a:fld>
@@ -2674,7 +2674,7 @@
           <p:cNvPr id="6" name="页脚占位符 5">
             <a:extLst>
               <a:ext uri="{FF2B5EF4-FFF2-40B4-BE49-F238E27FC236}">
-                <a16:creationId xmlns:a16="http://schemas.microsoft.com/office/drawing/2014/main" id="{AD263E55-5537-DB30-1DD3-02E69C36B154}"/>
+                <a16:creationId xmlns:a16="http://schemas.microsoft.com/office/drawing/2014/main" id="{C1421250-A2D9-D50A-9E85-C5C5CA130015}"/>
               </a:ext>
             </a:extLst>
           </p:cNvPr>
@@ -2699,7 +2699,7 @@
           <p:cNvPr id="7" name="灯片编号占位符 6">
             <a:extLst>
               <a:ext uri="{FF2B5EF4-FFF2-40B4-BE49-F238E27FC236}">
-                <a16:creationId xmlns:a16="http://schemas.microsoft.com/office/drawing/2014/main" id="{CCAF964B-2905-4A70-D654-E0D14C1439AC}"/>
+                <a16:creationId xmlns:a16="http://schemas.microsoft.com/office/drawing/2014/main" id="{71FF4171-EA19-04EA-82AB-BE503D4ECEF7}"/>
               </a:ext>
             </a:extLst>
           </p:cNvPr>
@@ -2715,7 +2715,7 @@
           <a:bodyPr/>
           <a:lstStyle/>
           <a:p>
-            <a:fld id="{F500DC22-90DE-4D6F-88A2-5733A8AB72D3}" type="slidenum">
+            <a:fld id="{B34FE663-981F-4ED9-A971-E6F70C2F0560}" type="slidenum">
               <a:rPr lang="zh-CN" altLang="en-US" smtClean="0"/>
               <a:t>‹#›</a:t>
             </a:fld>
@@ -2726,7 +2726,7 @@
     </p:spTree>
     <p:extLst>
       <p:ext uri="{BB962C8B-B14F-4D97-AF65-F5344CB8AC3E}">
-        <p14:creationId xmlns:p14="http://schemas.microsoft.com/office/powerpoint/2010/main" val="2943213497"/>
+        <p14:creationId xmlns:p14="http://schemas.microsoft.com/office/powerpoint/2010/main" val="3143360057"/>
       </p:ext>
     </p:extLst>
   </p:cSld>
@@ -2763,7 +2763,7 @@
           <p:cNvPr id="2" name="标题占位符 1">
             <a:extLst>
               <a:ext uri="{FF2B5EF4-FFF2-40B4-BE49-F238E27FC236}">
-                <a16:creationId xmlns:a16="http://schemas.microsoft.com/office/drawing/2014/main" id="{1187E522-15CF-AC86-8DAD-585CFE940B7F}"/>
+                <a16:creationId xmlns:a16="http://schemas.microsoft.com/office/drawing/2014/main" id="{90674E7F-43F4-498C-5DAE-23A878F2230A}"/>
               </a:ext>
             </a:extLst>
           </p:cNvPr>
@@ -2801,7 +2801,7 @@
           <p:cNvPr id="3" name="文本占位符 2">
             <a:extLst>
               <a:ext uri="{FF2B5EF4-FFF2-40B4-BE49-F238E27FC236}">
-                <a16:creationId xmlns:a16="http://schemas.microsoft.com/office/drawing/2014/main" id="{9D659A51-5B3B-6C48-34D0-5B8A41BC6B61}"/>
+                <a16:creationId xmlns:a16="http://schemas.microsoft.com/office/drawing/2014/main" id="{87F14E73-62FC-823F-0A93-11B3E37A6487}"/>
               </a:ext>
             </a:extLst>
           </p:cNvPr>
@@ -2868,7 +2868,7 @@
           <p:cNvPr id="4" name="日期占位符 3">
             <a:extLst>
               <a:ext uri="{FF2B5EF4-FFF2-40B4-BE49-F238E27FC236}">
-                <a16:creationId xmlns:a16="http://schemas.microsoft.com/office/drawing/2014/main" id="{F6CD3FB8-DDBD-3E8B-8FC7-1B8A95315367}"/>
+                <a16:creationId xmlns:a16="http://schemas.microsoft.com/office/drawing/2014/main" id="{13297868-864F-BE8D-B1EF-F33D4EADB3F5}"/>
               </a:ext>
             </a:extLst>
           </p:cNvPr>
@@ -2902,7 +2902,7 @@
             </a:lvl1pPr>
           </a:lstStyle>
           <a:p>
-            <a:fld id="{54060449-6F0D-4470-856B-0B43860AD6CE}" type="datetimeFigureOut">
+            <a:fld id="{D00D4E2C-0F93-436E-8450-05C5464F4730}" type="datetimeFigureOut">
               <a:rPr lang="zh-CN" altLang="en-US" smtClean="0"/>
               <a:t>2024/3/10</a:t>
             </a:fld>
@@ -2915,7 +2915,7 @@
           <p:cNvPr id="5" name="页脚占位符 4">
             <a:extLst>
               <a:ext uri="{FF2B5EF4-FFF2-40B4-BE49-F238E27FC236}">
-                <a16:creationId xmlns:a16="http://schemas.microsoft.com/office/drawing/2014/main" id="{A762DFC1-1EF6-6839-392D-CBFE9ED893AF}"/>
+                <a16:creationId xmlns:a16="http://schemas.microsoft.com/office/drawing/2014/main" id="{D3E811E4-7C2D-9B60-0380-9053637779C1}"/>
               </a:ext>
             </a:extLst>
           </p:cNvPr>
@@ -2958,7 +2958,7 @@
           <p:cNvPr id="6" name="灯片编号占位符 5">
             <a:extLst>
               <a:ext uri="{FF2B5EF4-FFF2-40B4-BE49-F238E27FC236}">
-                <a16:creationId xmlns:a16="http://schemas.microsoft.com/office/drawing/2014/main" id="{72AB28BD-B629-7761-6DBC-1C434A1A94FD}"/>
+                <a16:creationId xmlns:a16="http://schemas.microsoft.com/office/drawing/2014/main" id="{13116C09-3156-F2F9-813C-7F5F5166F1C2}"/>
               </a:ext>
             </a:extLst>
           </p:cNvPr>
@@ -2992,7 +2992,7 @@
             </a:lvl1pPr>
           </a:lstStyle>
           <a:p>
-            <a:fld id="{F500DC22-90DE-4D6F-88A2-5733A8AB72D3}" type="slidenum">
+            <a:fld id="{B34FE663-981F-4ED9-A971-E6F70C2F0560}" type="slidenum">
               <a:rPr lang="zh-CN" altLang="en-US" smtClean="0"/>
               <a:t>‹#›</a:t>
             </a:fld>
@@ -3003,7 +3003,7 @@
     </p:spTree>
     <p:extLst>
       <p:ext uri="{BB962C8B-B14F-4D97-AF65-F5344CB8AC3E}">
-        <p14:creationId xmlns:p14="http://schemas.microsoft.com/office/powerpoint/2010/main" val="3581466648"/>
+        <p14:creationId xmlns:p14="http://schemas.microsoft.com/office/powerpoint/2010/main" val="2859028014"/>
       </p:ext>
     </p:extLst>
   </p:cSld>
